--- a/pics/2021-02-07-k_means/pics.pptx
+++ b/pics/2021-02-07-k_means/pics.pptx
@@ -6,6 +6,7 @@
   </p:sldMasterIdLst>
   <p:sldIdLst>
     <p:sldId id="256" r:id="rId2"/>
+    <p:sldId id="257" r:id="rId3"/>
   </p:sldIdLst>
   <p:sldSz cx="9144000" cy="6858000" type="screen4x3"/>
   <p:notesSz cx="6858000" cy="9144000"/>
@@ -288,7 +289,7 @@
           <a:p>
             <a:fld id="{D611E7EA-CBE6-44DA-9AA9-820291065A39}" type="datetimeFigureOut">
               <a:rPr lang="ko-KR" altLang="en-US" smtClean="0"/>
-              <a:t>2021-03-30</a:t>
+              <a:t>2021-04-01</a:t>
             </a:fld>
             <a:endParaRPr lang="ko-KR" altLang="en-US"/>
           </a:p>
@@ -458,7 +459,7 @@
           <a:p>
             <a:fld id="{D611E7EA-CBE6-44DA-9AA9-820291065A39}" type="datetimeFigureOut">
               <a:rPr lang="ko-KR" altLang="en-US" smtClean="0"/>
-              <a:t>2021-03-30</a:t>
+              <a:t>2021-04-01</a:t>
             </a:fld>
             <a:endParaRPr lang="ko-KR" altLang="en-US"/>
           </a:p>
@@ -638,7 +639,7 @@
           <a:p>
             <a:fld id="{D611E7EA-CBE6-44DA-9AA9-820291065A39}" type="datetimeFigureOut">
               <a:rPr lang="ko-KR" altLang="en-US" smtClean="0"/>
-              <a:t>2021-03-30</a:t>
+              <a:t>2021-04-01</a:t>
             </a:fld>
             <a:endParaRPr lang="ko-KR" altLang="en-US"/>
           </a:p>
@@ -808,7 +809,7 @@
           <a:p>
             <a:fld id="{D611E7EA-CBE6-44DA-9AA9-820291065A39}" type="datetimeFigureOut">
               <a:rPr lang="ko-KR" altLang="en-US" smtClean="0"/>
-              <a:t>2021-03-30</a:t>
+              <a:t>2021-04-01</a:t>
             </a:fld>
             <a:endParaRPr lang="ko-KR" altLang="en-US"/>
           </a:p>
@@ -1054,7 +1055,7 @@
           <a:p>
             <a:fld id="{D611E7EA-CBE6-44DA-9AA9-820291065A39}" type="datetimeFigureOut">
               <a:rPr lang="ko-KR" altLang="en-US" smtClean="0"/>
-              <a:t>2021-03-30</a:t>
+              <a:t>2021-04-01</a:t>
             </a:fld>
             <a:endParaRPr lang="ko-KR" altLang="en-US"/>
           </a:p>
@@ -1342,7 +1343,7 @@
           <a:p>
             <a:fld id="{D611E7EA-CBE6-44DA-9AA9-820291065A39}" type="datetimeFigureOut">
               <a:rPr lang="ko-KR" altLang="en-US" smtClean="0"/>
-              <a:t>2021-03-30</a:t>
+              <a:t>2021-04-01</a:t>
             </a:fld>
             <a:endParaRPr lang="ko-KR" altLang="en-US"/>
           </a:p>
@@ -1764,7 +1765,7 @@
           <a:p>
             <a:fld id="{D611E7EA-CBE6-44DA-9AA9-820291065A39}" type="datetimeFigureOut">
               <a:rPr lang="ko-KR" altLang="en-US" smtClean="0"/>
-              <a:t>2021-03-30</a:t>
+              <a:t>2021-04-01</a:t>
             </a:fld>
             <a:endParaRPr lang="ko-KR" altLang="en-US"/>
           </a:p>
@@ -1882,7 +1883,7 @@
           <a:p>
             <a:fld id="{D611E7EA-CBE6-44DA-9AA9-820291065A39}" type="datetimeFigureOut">
               <a:rPr lang="ko-KR" altLang="en-US" smtClean="0"/>
-              <a:t>2021-03-30</a:t>
+              <a:t>2021-04-01</a:t>
             </a:fld>
             <a:endParaRPr lang="ko-KR" altLang="en-US"/>
           </a:p>
@@ -1977,7 +1978,7 @@
           <a:p>
             <a:fld id="{D611E7EA-CBE6-44DA-9AA9-820291065A39}" type="datetimeFigureOut">
               <a:rPr lang="ko-KR" altLang="en-US" smtClean="0"/>
-              <a:t>2021-03-30</a:t>
+              <a:t>2021-04-01</a:t>
             </a:fld>
             <a:endParaRPr lang="ko-KR" altLang="en-US"/>
           </a:p>
@@ -2254,7 +2255,7 @@
           <a:p>
             <a:fld id="{D611E7EA-CBE6-44DA-9AA9-820291065A39}" type="datetimeFigureOut">
               <a:rPr lang="ko-KR" altLang="en-US" smtClean="0"/>
-              <a:t>2021-03-30</a:t>
+              <a:t>2021-04-01</a:t>
             </a:fld>
             <a:endParaRPr lang="ko-KR" altLang="en-US"/>
           </a:p>
@@ -2507,7 +2508,7 @@
           <a:p>
             <a:fld id="{D611E7EA-CBE6-44DA-9AA9-820291065A39}" type="datetimeFigureOut">
               <a:rPr lang="ko-KR" altLang="en-US" smtClean="0"/>
-              <a:t>2021-03-30</a:t>
+              <a:t>2021-04-01</a:t>
             </a:fld>
             <a:endParaRPr lang="ko-KR" altLang="en-US"/>
           </a:p>
@@ -2720,7 +2721,7 @@
           <a:p>
             <a:fld id="{D611E7EA-CBE6-44DA-9AA9-820291065A39}" type="datetimeFigureOut">
               <a:rPr lang="ko-KR" altLang="en-US" smtClean="0"/>
-              <a:t>2021-03-30</a:t>
+              <a:t>2021-04-01</a:t>
             </a:fld>
             <a:endParaRPr lang="ko-KR" altLang="en-US"/>
           </a:p>
@@ -3172,6 +3173,192 @@
 </p:sld>
 </file>
 
+<file path=ppt/slides/slide2.xml><?xml version="1.0" encoding="utf-8"?>
+<p:sld xmlns:a="http://schemas.openxmlformats.org/drawingml/2006/main" xmlns:r="http://schemas.openxmlformats.org/officeDocument/2006/relationships" xmlns:p="http://schemas.openxmlformats.org/presentationml/2006/main">
+  <p:cSld>
+    <p:spTree>
+      <p:nvGrpSpPr>
+        <p:cNvPr id="1" name=""/>
+        <p:cNvGrpSpPr/>
+        <p:nvPr/>
+      </p:nvGrpSpPr>
+      <p:grpSpPr>
+        <a:xfrm>
+          <a:off x="0" y="0"/>
+          <a:ext cx="0" cy="0"/>
+          <a:chOff x="0" y="0"/>
+          <a:chExt cx="0" cy="0"/>
+        </a:xfrm>
+      </p:grpSpPr>
+      <p:pic>
+        <p:nvPicPr>
+          <p:cNvPr id="1026" name="Picture 2"/>
+          <p:cNvPicPr>
+            <a:picLocks noChangeAspect="1" noChangeArrowheads="1"/>
+          </p:cNvPicPr>
+          <p:nvPr/>
+        </p:nvPicPr>
+        <p:blipFill>
+          <a:blip r:embed="rId2">
+            <a:extLst>
+              <a:ext uri="{28A0092B-C50C-407E-A947-70E740481C1C}">
+                <a14:useLocalDpi xmlns:a14="http://schemas.microsoft.com/office/drawing/2010/main" val="0"/>
+              </a:ext>
+            </a:extLst>
+          </a:blip>
+          <a:srcRect/>
+          <a:stretch>
+            <a:fillRect/>
+          </a:stretch>
+        </p:blipFill>
+        <p:spPr bwMode="auto">
+          <a:xfrm>
+            <a:off x="1909763" y="1433513"/>
+            <a:ext cx="5324475" cy="3990975"/>
+          </a:xfrm>
+          <a:prstGeom prst="rect">
+            <a:avLst/>
+          </a:prstGeom>
+          <a:noFill/>
+          <a:ln>
+            <a:noFill/>
+          </a:ln>
+          <a:effectLst/>
+          <a:extLst>
+            <a:ext uri="{909E8E84-426E-40DD-AFC4-6F175D3DCCD1}">
+              <a14:hiddenFill xmlns:a14="http://schemas.microsoft.com/office/drawing/2010/main">
+                <a:solidFill>
+                  <a:schemeClr val="accent1"/>
+                </a:solidFill>
+              </a14:hiddenFill>
+            </a:ext>
+            <a:ext uri="{91240B29-F687-4F45-9708-019B960494DF}">
+              <a14:hiddenLine xmlns:a14="http://schemas.microsoft.com/office/drawing/2010/main" w="9525">
+                <a:solidFill>
+                  <a:schemeClr val="tx1"/>
+                </a:solidFill>
+                <a:miter lim="800000"/>
+                <a:headEnd/>
+                <a:tailEnd/>
+              </a14:hiddenLine>
+            </a:ext>
+            <a:ext uri="{AF507438-7753-43E0-B8FC-AC1667EBCBE1}">
+              <a14:hiddenEffects xmlns:a14="http://schemas.microsoft.com/office/drawing/2010/main">
+                <a:effectLst>
+                  <a:outerShdw dist="35921" dir="2700000" algn="ctr" rotWithShape="0">
+                    <a:schemeClr val="bg2"/>
+                  </a:outerShdw>
+                </a:effectLst>
+              </a14:hiddenEffects>
+            </a:ext>
+          </a:extLst>
+        </p:spPr>
+      </p:pic>
+      <p:sp>
+        <p:nvSpPr>
+          <p:cNvPr id="4" name="TextBox 3"/>
+          <p:cNvSpPr txBox="1"/>
+          <p:nvPr/>
+        </p:nvSpPr>
+        <p:spPr>
+          <a:xfrm>
+            <a:off x="2843808" y="2924944"/>
+            <a:ext cx="1316386" cy="369332"/>
+          </a:xfrm>
+          <a:prstGeom prst="rect">
+            <a:avLst/>
+          </a:prstGeom>
+          <a:noFill/>
+        </p:spPr>
+        <p:txBody>
+          <a:bodyPr wrap="none" rtlCol="0">
+            <a:spAutoFit/>
+          </a:bodyPr>
+          <a:lstStyle/>
+          <a:p>
+            <a:r>
+              <a:rPr lang="ko-KR" altLang="en-US" b="1" dirty="0" smtClean="0">
+                <a:solidFill>
+                  <a:srgbClr val="0072BD"/>
+                </a:solidFill>
+              </a:rPr>
+              <a:t>클러스터 </a:t>
+            </a:r>
+            <a:r>
+              <a:rPr lang="en-US" altLang="ko-KR" b="1" dirty="0">
+                <a:solidFill>
+                  <a:srgbClr val="0072BD"/>
+                </a:solidFill>
+              </a:rPr>
+              <a:t>1</a:t>
+            </a:r>
+            <a:endParaRPr lang="ko-KR" altLang="en-US" b="1" dirty="0">
+              <a:solidFill>
+                <a:srgbClr val="0072BD"/>
+              </a:solidFill>
+            </a:endParaRPr>
+          </a:p>
+        </p:txBody>
+      </p:sp>
+      <p:sp>
+        <p:nvSpPr>
+          <p:cNvPr id="6" name="TextBox 5"/>
+          <p:cNvSpPr txBox="1"/>
+          <p:nvPr/>
+        </p:nvSpPr>
+        <p:spPr>
+          <a:xfrm>
+            <a:off x="5220072" y="3429000"/>
+            <a:ext cx="1316386" cy="369332"/>
+          </a:xfrm>
+          <a:prstGeom prst="rect">
+            <a:avLst/>
+          </a:prstGeom>
+          <a:noFill/>
+        </p:spPr>
+        <p:txBody>
+          <a:bodyPr wrap="none" rtlCol="0">
+            <a:spAutoFit/>
+          </a:bodyPr>
+          <a:lstStyle/>
+          <a:p>
+            <a:r>
+              <a:rPr lang="ko-KR" altLang="en-US" b="1" dirty="0" smtClean="0">
+                <a:solidFill>
+                  <a:srgbClr val="D95319"/>
+                </a:solidFill>
+              </a:rPr>
+              <a:t>클러스터 </a:t>
+            </a:r>
+            <a:r>
+              <a:rPr lang="en-US" altLang="ko-KR" b="1" dirty="0" smtClean="0">
+                <a:solidFill>
+                  <a:srgbClr val="D95319"/>
+                </a:solidFill>
+              </a:rPr>
+              <a:t>2</a:t>
+            </a:r>
+            <a:endParaRPr lang="ko-KR" altLang="en-US" b="1" dirty="0">
+              <a:solidFill>
+                <a:srgbClr val="D95319"/>
+              </a:solidFill>
+            </a:endParaRPr>
+          </a:p>
+        </p:txBody>
+      </p:sp>
+    </p:spTree>
+    <p:extLst>
+      <p:ext uri="{BB962C8B-B14F-4D97-AF65-F5344CB8AC3E}">
+        <p14:creationId xmlns:p14="http://schemas.microsoft.com/office/powerpoint/2010/main" val="1723952021"/>
+      </p:ext>
+    </p:extLst>
+  </p:cSld>
+  <p:clrMapOvr>
+    <a:masterClrMapping/>
+  </p:clrMapOvr>
+</p:sld>
+</file>
+
 <file path=ppt/theme/theme1.xml><?xml version="1.0" encoding="utf-8"?>
 <a:theme xmlns:a="http://schemas.openxmlformats.org/drawingml/2006/main" name="Office 테마">
   <a:themeElements>

--- a/pics/2021-02-07-k_means/pics.pptx
+++ b/pics/2021-02-07-k_means/pics.pptx
@@ -3098,7 +3098,7 @@
       </p:grpSpPr>
       <p:pic>
         <p:nvPicPr>
-          <p:cNvPr id="1026" name="Picture 2"/>
+          <p:cNvPr id="2" name="Picture 2"/>
           <p:cNvPicPr>
             <a:picLocks noChangeAspect="1" noChangeArrowheads="1"/>
           </p:cNvPicPr>
@@ -3192,7 +3192,7 @@
       </p:grpSpPr>
       <p:pic>
         <p:nvPicPr>
-          <p:cNvPr id="1026" name="Picture 2"/>
+          <p:cNvPr id="2050" name="Picture 2"/>
           <p:cNvPicPr>
             <a:picLocks noChangeAspect="1" noChangeArrowheads="1"/>
           </p:cNvPicPr>

--- a/pics/2021-02-07-k_means/pics.pptx
+++ b/pics/2021-02-07-k_means/pics.pptx
@@ -7,6 +7,7 @@
   <p:sldIdLst>
     <p:sldId id="256" r:id="rId2"/>
     <p:sldId id="257" r:id="rId3"/>
+    <p:sldId id="258" r:id="rId4"/>
   </p:sldIdLst>
   <p:sldSz cx="9144000" cy="6858000" type="screen4x3"/>
   <p:notesSz cx="6858000" cy="9144000"/>
@@ -105,6 +106,22 @@
       </a:defRPr>
     </a:lvl9pPr>
   </p:defaultTextStyle>
+  <p:extLst>
+    <p:ext uri="{EFAFB233-063F-42B5-8137-9DF3F51BA10A}">
+      <p15:sldGuideLst xmlns:p15="http://schemas.microsoft.com/office/powerpoint/2012/main">
+        <p15:guide id="1" orient="horz" pos="2160">
+          <p15:clr>
+            <a:srgbClr val="A4A3A4"/>
+          </p15:clr>
+        </p15:guide>
+        <p15:guide id="2" pos="2880">
+          <p15:clr>
+            <a:srgbClr val="A4A3A4"/>
+          </p15:clr>
+        </p15:guide>
+      </p15:sldGuideLst>
+    </p:ext>
+  </p:extLst>
 </p:presentation>
 </file>
 
@@ -146,10 +163,9 @@
           <a:lstStyle/>
           <a:p>
             <a:r>
-              <a:rPr lang="ko-KR" altLang="en-US" smtClean="0"/>
+              <a:rPr lang="ko-KR" altLang="en-US"/>
               <a:t>마스터 제목 스타일 편집</a:t>
             </a:r>
-            <a:endParaRPr lang="ko-KR" altLang="en-US"/>
           </a:p>
         </p:txBody>
       </p:sp>
@@ -265,10 +281,9 @@
           </a:lstStyle>
           <a:p>
             <a:r>
-              <a:rPr lang="ko-KR" altLang="en-US" smtClean="0"/>
+              <a:rPr lang="ko-KR" altLang="en-US"/>
               <a:t>마스터 부제목 스타일 편집</a:t>
             </a:r>
-            <a:endParaRPr lang="ko-KR" altLang="en-US"/>
           </a:p>
         </p:txBody>
       </p:sp>
@@ -289,7 +304,7 @@
           <a:p>
             <a:fld id="{D611E7EA-CBE6-44DA-9AA9-820291065A39}" type="datetimeFigureOut">
               <a:rPr lang="ko-KR" altLang="en-US" smtClean="0"/>
-              <a:t>2021-04-01</a:t>
+              <a:t>2023-05-08</a:t>
             </a:fld>
             <a:endParaRPr lang="ko-KR" altLang="en-US"/>
           </a:p>
@@ -383,10 +398,9 @@
           <a:lstStyle/>
           <a:p>
             <a:r>
-              <a:rPr lang="ko-KR" altLang="en-US" smtClean="0"/>
+              <a:rPr lang="ko-KR" altLang="en-US"/>
               <a:t>마스터 제목 스타일 편집</a:t>
             </a:r>
-            <a:endParaRPr lang="ko-KR" altLang="en-US"/>
           </a:p>
         </p:txBody>
       </p:sp>
@@ -407,38 +421,37 @@
           <a:p>
             <a:pPr lvl="0"/>
             <a:r>
-              <a:rPr lang="ko-KR" altLang="en-US" smtClean="0"/>
+              <a:rPr lang="ko-KR" altLang="en-US"/>
               <a:t>마스터 텍스트 스타일을 편집합니다</a:t>
             </a:r>
           </a:p>
           <a:p>
             <a:pPr lvl="1"/>
             <a:r>
-              <a:rPr lang="ko-KR" altLang="en-US" smtClean="0"/>
+              <a:rPr lang="ko-KR" altLang="en-US"/>
               <a:t>둘째 수준</a:t>
             </a:r>
           </a:p>
           <a:p>
             <a:pPr lvl="2"/>
             <a:r>
-              <a:rPr lang="ko-KR" altLang="en-US" smtClean="0"/>
+              <a:rPr lang="ko-KR" altLang="en-US"/>
               <a:t>셋째 수준</a:t>
             </a:r>
           </a:p>
           <a:p>
             <a:pPr lvl="3"/>
             <a:r>
-              <a:rPr lang="ko-KR" altLang="en-US" smtClean="0"/>
+              <a:rPr lang="ko-KR" altLang="en-US"/>
               <a:t>넷째 수준</a:t>
             </a:r>
           </a:p>
           <a:p>
             <a:pPr lvl="4"/>
             <a:r>
-              <a:rPr lang="ko-KR" altLang="en-US" smtClean="0"/>
+              <a:rPr lang="ko-KR" altLang="en-US"/>
               <a:t>다섯째 수준</a:t>
             </a:r>
-            <a:endParaRPr lang="ko-KR" altLang="en-US"/>
           </a:p>
         </p:txBody>
       </p:sp>
@@ -459,7 +472,7 @@
           <a:p>
             <a:fld id="{D611E7EA-CBE6-44DA-9AA9-820291065A39}" type="datetimeFigureOut">
               <a:rPr lang="ko-KR" altLang="en-US" smtClean="0"/>
-              <a:t>2021-04-01</a:t>
+              <a:t>2023-05-08</a:t>
             </a:fld>
             <a:endParaRPr lang="ko-KR" altLang="en-US"/>
           </a:p>
@@ -558,10 +571,9 @@
           <a:lstStyle/>
           <a:p>
             <a:r>
-              <a:rPr lang="ko-KR" altLang="en-US" smtClean="0"/>
+              <a:rPr lang="ko-KR" altLang="en-US"/>
               <a:t>마스터 제목 스타일 편집</a:t>
             </a:r>
-            <a:endParaRPr lang="ko-KR" altLang="en-US"/>
           </a:p>
         </p:txBody>
       </p:sp>
@@ -587,38 +599,37 @@
           <a:p>
             <a:pPr lvl="0"/>
             <a:r>
-              <a:rPr lang="ko-KR" altLang="en-US" smtClean="0"/>
+              <a:rPr lang="ko-KR" altLang="en-US"/>
               <a:t>마스터 텍스트 스타일을 편집합니다</a:t>
             </a:r>
           </a:p>
           <a:p>
             <a:pPr lvl="1"/>
             <a:r>
-              <a:rPr lang="ko-KR" altLang="en-US" smtClean="0"/>
+              <a:rPr lang="ko-KR" altLang="en-US"/>
               <a:t>둘째 수준</a:t>
             </a:r>
           </a:p>
           <a:p>
             <a:pPr lvl="2"/>
             <a:r>
-              <a:rPr lang="ko-KR" altLang="en-US" smtClean="0"/>
+              <a:rPr lang="ko-KR" altLang="en-US"/>
               <a:t>셋째 수준</a:t>
             </a:r>
           </a:p>
           <a:p>
             <a:pPr lvl="3"/>
             <a:r>
-              <a:rPr lang="ko-KR" altLang="en-US" smtClean="0"/>
+              <a:rPr lang="ko-KR" altLang="en-US"/>
               <a:t>넷째 수준</a:t>
             </a:r>
           </a:p>
           <a:p>
             <a:pPr lvl="4"/>
             <a:r>
-              <a:rPr lang="ko-KR" altLang="en-US" smtClean="0"/>
+              <a:rPr lang="ko-KR" altLang="en-US"/>
               <a:t>다섯째 수준</a:t>
             </a:r>
-            <a:endParaRPr lang="ko-KR" altLang="en-US"/>
           </a:p>
         </p:txBody>
       </p:sp>
@@ -639,7 +650,7 @@
           <a:p>
             <a:fld id="{D611E7EA-CBE6-44DA-9AA9-820291065A39}" type="datetimeFigureOut">
               <a:rPr lang="ko-KR" altLang="en-US" smtClean="0"/>
-              <a:t>2021-04-01</a:t>
+              <a:t>2023-05-08</a:t>
             </a:fld>
             <a:endParaRPr lang="ko-KR" altLang="en-US"/>
           </a:p>
@@ -733,10 +744,9 @@
           <a:lstStyle/>
           <a:p>
             <a:r>
-              <a:rPr lang="ko-KR" altLang="en-US" smtClean="0"/>
+              <a:rPr lang="ko-KR" altLang="en-US"/>
               <a:t>마스터 제목 스타일 편집</a:t>
             </a:r>
-            <a:endParaRPr lang="ko-KR" altLang="en-US"/>
           </a:p>
         </p:txBody>
       </p:sp>
@@ -757,38 +767,37 @@
           <a:p>
             <a:pPr lvl="0"/>
             <a:r>
-              <a:rPr lang="ko-KR" altLang="en-US" smtClean="0"/>
+              <a:rPr lang="ko-KR" altLang="en-US"/>
               <a:t>마스터 텍스트 스타일을 편집합니다</a:t>
             </a:r>
           </a:p>
           <a:p>
             <a:pPr lvl="1"/>
             <a:r>
-              <a:rPr lang="ko-KR" altLang="en-US" smtClean="0"/>
+              <a:rPr lang="ko-KR" altLang="en-US"/>
               <a:t>둘째 수준</a:t>
             </a:r>
           </a:p>
           <a:p>
             <a:pPr lvl="2"/>
             <a:r>
-              <a:rPr lang="ko-KR" altLang="en-US" smtClean="0"/>
+              <a:rPr lang="ko-KR" altLang="en-US"/>
               <a:t>셋째 수준</a:t>
             </a:r>
           </a:p>
           <a:p>
             <a:pPr lvl="3"/>
             <a:r>
-              <a:rPr lang="ko-KR" altLang="en-US" smtClean="0"/>
+              <a:rPr lang="ko-KR" altLang="en-US"/>
               <a:t>넷째 수준</a:t>
             </a:r>
           </a:p>
           <a:p>
             <a:pPr lvl="4"/>
             <a:r>
-              <a:rPr lang="ko-KR" altLang="en-US" smtClean="0"/>
+              <a:rPr lang="ko-KR" altLang="en-US"/>
               <a:t>다섯째 수준</a:t>
             </a:r>
-            <a:endParaRPr lang="ko-KR" altLang="en-US"/>
           </a:p>
         </p:txBody>
       </p:sp>
@@ -809,7 +818,7 @@
           <a:p>
             <a:fld id="{D611E7EA-CBE6-44DA-9AA9-820291065A39}" type="datetimeFigureOut">
               <a:rPr lang="ko-KR" altLang="en-US" smtClean="0"/>
-              <a:t>2021-04-01</a:t>
+              <a:t>2023-05-08</a:t>
             </a:fld>
             <a:endParaRPr lang="ko-KR" altLang="en-US"/>
           </a:p>
@@ -912,10 +921,9 @@
           </a:lstStyle>
           <a:p>
             <a:r>
-              <a:rPr lang="ko-KR" altLang="en-US" smtClean="0"/>
+              <a:rPr lang="ko-KR" altLang="en-US"/>
               <a:t>마스터 제목 스타일 편집</a:t>
             </a:r>
-            <a:endParaRPr lang="ko-KR" altLang="en-US"/>
           </a:p>
         </p:txBody>
       </p:sp>
@@ -1032,7 +1040,7 @@
           <a:p>
             <a:pPr lvl="0"/>
             <a:r>
-              <a:rPr lang="ko-KR" altLang="en-US" smtClean="0"/>
+              <a:rPr lang="ko-KR" altLang="en-US"/>
               <a:t>마스터 텍스트 스타일을 편집합니다</a:t>
             </a:r>
           </a:p>
@@ -1055,7 +1063,7 @@
           <a:p>
             <a:fld id="{D611E7EA-CBE6-44DA-9AA9-820291065A39}" type="datetimeFigureOut">
               <a:rPr lang="ko-KR" altLang="en-US" smtClean="0"/>
-              <a:t>2021-04-01</a:t>
+              <a:t>2023-05-08</a:t>
             </a:fld>
             <a:endParaRPr lang="ko-KR" altLang="en-US"/>
           </a:p>
@@ -1149,10 +1157,9 @@
           <a:lstStyle/>
           <a:p>
             <a:r>
-              <a:rPr lang="ko-KR" altLang="en-US" smtClean="0"/>
+              <a:rPr lang="ko-KR" altLang="en-US"/>
               <a:t>마스터 제목 스타일 편집</a:t>
             </a:r>
-            <a:endParaRPr lang="ko-KR" altLang="en-US"/>
           </a:p>
         </p:txBody>
       </p:sp>
@@ -1206,38 +1213,37 @@
           <a:p>
             <a:pPr lvl="0"/>
             <a:r>
-              <a:rPr lang="ko-KR" altLang="en-US" smtClean="0"/>
+              <a:rPr lang="ko-KR" altLang="en-US"/>
               <a:t>마스터 텍스트 스타일을 편집합니다</a:t>
             </a:r>
           </a:p>
           <a:p>
             <a:pPr lvl="1"/>
             <a:r>
-              <a:rPr lang="ko-KR" altLang="en-US" smtClean="0"/>
+              <a:rPr lang="ko-KR" altLang="en-US"/>
               <a:t>둘째 수준</a:t>
             </a:r>
           </a:p>
           <a:p>
             <a:pPr lvl="2"/>
             <a:r>
-              <a:rPr lang="ko-KR" altLang="en-US" smtClean="0"/>
+              <a:rPr lang="ko-KR" altLang="en-US"/>
               <a:t>셋째 수준</a:t>
             </a:r>
           </a:p>
           <a:p>
             <a:pPr lvl="3"/>
             <a:r>
-              <a:rPr lang="ko-KR" altLang="en-US" smtClean="0"/>
+              <a:rPr lang="ko-KR" altLang="en-US"/>
               <a:t>넷째 수준</a:t>
             </a:r>
           </a:p>
           <a:p>
             <a:pPr lvl="4"/>
             <a:r>
-              <a:rPr lang="ko-KR" altLang="en-US" smtClean="0"/>
+              <a:rPr lang="ko-KR" altLang="en-US"/>
               <a:t>다섯째 수준</a:t>
             </a:r>
-            <a:endParaRPr lang="ko-KR" altLang="en-US"/>
           </a:p>
         </p:txBody>
       </p:sp>
@@ -1291,38 +1297,37 @@
           <a:p>
             <a:pPr lvl="0"/>
             <a:r>
-              <a:rPr lang="ko-KR" altLang="en-US" smtClean="0"/>
+              <a:rPr lang="ko-KR" altLang="en-US"/>
               <a:t>마스터 텍스트 스타일을 편집합니다</a:t>
             </a:r>
           </a:p>
           <a:p>
             <a:pPr lvl="1"/>
             <a:r>
-              <a:rPr lang="ko-KR" altLang="en-US" smtClean="0"/>
+              <a:rPr lang="ko-KR" altLang="en-US"/>
               <a:t>둘째 수준</a:t>
             </a:r>
           </a:p>
           <a:p>
             <a:pPr lvl="2"/>
             <a:r>
-              <a:rPr lang="ko-KR" altLang="en-US" smtClean="0"/>
+              <a:rPr lang="ko-KR" altLang="en-US"/>
               <a:t>셋째 수준</a:t>
             </a:r>
           </a:p>
           <a:p>
             <a:pPr lvl="3"/>
             <a:r>
-              <a:rPr lang="ko-KR" altLang="en-US" smtClean="0"/>
+              <a:rPr lang="ko-KR" altLang="en-US"/>
               <a:t>넷째 수준</a:t>
             </a:r>
           </a:p>
           <a:p>
             <a:pPr lvl="4"/>
             <a:r>
-              <a:rPr lang="ko-KR" altLang="en-US" smtClean="0"/>
+              <a:rPr lang="ko-KR" altLang="en-US"/>
               <a:t>다섯째 수준</a:t>
             </a:r>
-            <a:endParaRPr lang="ko-KR" altLang="en-US"/>
           </a:p>
         </p:txBody>
       </p:sp>
@@ -1343,7 +1348,7 @@
           <a:p>
             <a:fld id="{D611E7EA-CBE6-44DA-9AA9-820291065A39}" type="datetimeFigureOut">
               <a:rPr lang="ko-KR" altLang="en-US" smtClean="0"/>
-              <a:t>2021-04-01</a:t>
+              <a:t>2023-05-08</a:t>
             </a:fld>
             <a:endParaRPr lang="ko-KR" altLang="en-US"/>
           </a:p>
@@ -1441,10 +1446,9 @@
           </a:lstStyle>
           <a:p>
             <a:r>
-              <a:rPr lang="ko-KR" altLang="en-US" smtClean="0"/>
+              <a:rPr lang="ko-KR" altLang="en-US"/>
               <a:t>마스터 제목 스타일 편집</a:t>
             </a:r>
-            <a:endParaRPr lang="ko-KR" altLang="en-US"/>
           </a:p>
         </p:txBody>
       </p:sp>
@@ -1507,7 +1511,7 @@
           <a:p>
             <a:pPr lvl="0"/>
             <a:r>
-              <a:rPr lang="ko-KR" altLang="en-US" smtClean="0"/>
+              <a:rPr lang="ko-KR" altLang="en-US"/>
               <a:t>마스터 텍스트 스타일을 편집합니다</a:t>
             </a:r>
           </a:p>
@@ -1563,38 +1567,37 @@
           <a:p>
             <a:pPr lvl="0"/>
             <a:r>
-              <a:rPr lang="ko-KR" altLang="en-US" smtClean="0"/>
+              <a:rPr lang="ko-KR" altLang="en-US"/>
               <a:t>마스터 텍스트 스타일을 편집합니다</a:t>
             </a:r>
           </a:p>
           <a:p>
             <a:pPr lvl="1"/>
             <a:r>
-              <a:rPr lang="ko-KR" altLang="en-US" smtClean="0"/>
+              <a:rPr lang="ko-KR" altLang="en-US"/>
               <a:t>둘째 수준</a:t>
             </a:r>
           </a:p>
           <a:p>
             <a:pPr lvl="2"/>
             <a:r>
-              <a:rPr lang="ko-KR" altLang="en-US" smtClean="0"/>
+              <a:rPr lang="ko-KR" altLang="en-US"/>
               <a:t>셋째 수준</a:t>
             </a:r>
           </a:p>
           <a:p>
             <a:pPr lvl="3"/>
             <a:r>
-              <a:rPr lang="ko-KR" altLang="en-US" smtClean="0"/>
+              <a:rPr lang="ko-KR" altLang="en-US"/>
               <a:t>넷째 수준</a:t>
             </a:r>
           </a:p>
           <a:p>
             <a:pPr lvl="4"/>
             <a:r>
-              <a:rPr lang="ko-KR" altLang="en-US" smtClean="0"/>
+              <a:rPr lang="ko-KR" altLang="en-US"/>
               <a:t>다섯째 수준</a:t>
             </a:r>
-            <a:endParaRPr lang="ko-KR" altLang="en-US"/>
           </a:p>
         </p:txBody>
       </p:sp>
@@ -1657,7 +1660,7 @@
           <a:p>
             <a:pPr lvl="0"/>
             <a:r>
-              <a:rPr lang="ko-KR" altLang="en-US" smtClean="0"/>
+              <a:rPr lang="ko-KR" altLang="en-US"/>
               <a:t>마스터 텍스트 스타일을 편집합니다</a:t>
             </a:r>
           </a:p>
@@ -1713,38 +1716,37 @@
           <a:p>
             <a:pPr lvl="0"/>
             <a:r>
-              <a:rPr lang="ko-KR" altLang="en-US" smtClean="0"/>
+              <a:rPr lang="ko-KR" altLang="en-US"/>
               <a:t>마스터 텍스트 스타일을 편집합니다</a:t>
             </a:r>
           </a:p>
           <a:p>
             <a:pPr lvl="1"/>
             <a:r>
-              <a:rPr lang="ko-KR" altLang="en-US" smtClean="0"/>
+              <a:rPr lang="ko-KR" altLang="en-US"/>
               <a:t>둘째 수준</a:t>
             </a:r>
           </a:p>
           <a:p>
             <a:pPr lvl="2"/>
             <a:r>
-              <a:rPr lang="ko-KR" altLang="en-US" smtClean="0"/>
+              <a:rPr lang="ko-KR" altLang="en-US"/>
               <a:t>셋째 수준</a:t>
             </a:r>
           </a:p>
           <a:p>
             <a:pPr lvl="3"/>
             <a:r>
-              <a:rPr lang="ko-KR" altLang="en-US" smtClean="0"/>
+              <a:rPr lang="ko-KR" altLang="en-US"/>
               <a:t>넷째 수준</a:t>
             </a:r>
           </a:p>
           <a:p>
             <a:pPr lvl="4"/>
             <a:r>
-              <a:rPr lang="ko-KR" altLang="en-US" smtClean="0"/>
+              <a:rPr lang="ko-KR" altLang="en-US"/>
               <a:t>다섯째 수준</a:t>
             </a:r>
-            <a:endParaRPr lang="ko-KR" altLang="en-US"/>
           </a:p>
         </p:txBody>
       </p:sp>
@@ -1765,7 +1767,7 @@
           <a:p>
             <a:fld id="{D611E7EA-CBE6-44DA-9AA9-820291065A39}" type="datetimeFigureOut">
               <a:rPr lang="ko-KR" altLang="en-US" smtClean="0"/>
-              <a:t>2021-04-01</a:t>
+              <a:t>2023-05-08</a:t>
             </a:fld>
             <a:endParaRPr lang="ko-KR" altLang="en-US"/>
           </a:p>
@@ -1859,10 +1861,9 @@
           <a:lstStyle/>
           <a:p>
             <a:r>
-              <a:rPr lang="ko-KR" altLang="en-US" smtClean="0"/>
+              <a:rPr lang="ko-KR" altLang="en-US"/>
               <a:t>마스터 제목 스타일 편집</a:t>
             </a:r>
-            <a:endParaRPr lang="ko-KR" altLang="en-US"/>
           </a:p>
         </p:txBody>
       </p:sp>
@@ -1883,7 +1884,7 @@
           <a:p>
             <a:fld id="{D611E7EA-CBE6-44DA-9AA9-820291065A39}" type="datetimeFigureOut">
               <a:rPr lang="ko-KR" altLang="en-US" smtClean="0"/>
-              <a:t>2021-04-01</a:t>
+              <a:t>2023-05-08</a:t>
             </a:fld>
             <a:endParaRPr lang="ko-KR" altLang="en-US"/>
           </a:p>
@@ -1978,7 +1979,7 @@
           <a:p>
             <a:fld id="{D611E7EA-CBE6-44DA-9AA9-820291065A39}" type="datetimeFigureOut">
               <a:rPr lang="ko-KR" altLang="en-US" smtClean="0"/>
-              <a:t>2021-04-01</a:t>
+              <a:t>2023-05-08</a:t>
             </a:fld>
             <a:endParaRPr lang="ko-KR" altLang="en-US"/>
           </a:p>
@@ -2081,10 +2082,9 @@
           </a:lstStyle>
           <a:p>
             <a:r>
-              <a:rPr lang="ko-KR" altLang="en-US" smtClean="0"/>
+              <a:rPr lang="ko-KR" altLang="en-US"/>
               <a:t>마스터 제목 스타일 편집</a:t>
             </a:r>
-            <a:endParaRPr lang="ko-KR" altLang="en-US"/>
           </a:p>
         </p:txBody>
       </p:sp>
@@ -2138,38 +2138,37 @@
           <a:p>
             <a:pPr lvl="0"/>
             <a:r>
-              <a:rPr lang="ko-KR" altLang="en-US" smtClean="0"/>
+              <a:rPr lang="ko-KR" altLang="en-US"/>
               <a:t>마스터 텍스트 스타일을 편집합니다</a:t>
             </a:r>
           </a:p>
           <a:p>
             <a:pPr lvl="1"/>
             <a:r>
-              <a:rPr lang="ko-KR" altLang="en-US" smtClean="0"/>
+              <a:rPr lang="ko-KR" altLang="en-US"/>
               <a:t>둘째 수준</a:t>
             </a:r>
           </a:p>
           <a:p>
             <a:pPr lvl="2"/>
             <a:r>
-              <a:rPr lang="ko-KR" altLang="en-US" smtClean="0"/>
+              <a:rPr lang="ko-KR" altLang="en-US"/>
               <a:t>셋째 수준</a:t>
             </a:r>
           </a:p>
           <a:p>
             <a:pPr lvl="3"/>
             <a:r>
-              <a:rPr lang="ko-KR" altLang="en-US" smtClean="0"/>
+              <a:rPr lang="ko-KR" altLang="en-US"/>
               <a:t>넷째 수준</a:t>
             </a:r>
           </a:p>
           <a:p>
             <a:pPr lvl="4"/>
             <a:r>
-              <a:rPr lang="ko-KR" altLang="en-US" smtClean="0"/>
+              <a:rPr lang="ko-KR" altLang="en-US"/>
               <a:t>다섯째 수준</a:t>
             </a:r>
-            <a:endParaRPr lang="ko-KR" altLang="en-US"/>
           </a:p>
         </p:txBody>
       </p:sp>
@@ -2232,7 +2231,7 @@
           <a:p>
             <a:pPr lvl="0"/>
             <a:r>
-              <a:rPr lang="ko-KR" altLang="en-US" smtClean="0"/>
+              <a:rPr lang="ko-KR" altLang="en-US"/>
               <a:t>마스터 텍스트 스타일을 편집합니다</a:t>
             </a:r>
           </a:p>
@@ -2255,7 +2254,7 @@
           <a:p>
             <a:fld id="{D611E7EA-CBE6-44DA-9AA9-820291065A39}" type="datetimeFigureOut">
               <a:rPr lang="ko-KR" altLang="en-US" smtClean="0"/>
-              <a:t>2021-04-01</a:t>
+              <a:t>2023-05-08</a:t>
             </a:fld>
             <a:endParaRPr lang="ko-KR" altLang="en-US"/>
           </a:p>
@@ -2358,10 +2357,9 @@
           </a:lstStyle>
           <a:p>
             <a:r>
-              <a:rPr lang="ko-KR" altLang="en-US" smtClean="0"/>
+              <a:rPr lang="ko-KR" altLang="en-US"/>
               <a:t>마스터 제목 스타일 편집</a:t>
             </a:r>
-            <a:endParaRPr lang="ko-KR" altLang="en-US"/>
           </a:p>
         </p:txBody>
       </p:sp>
@@ -2485,7 +2483,7 @@
           <a:p>
             <a:pPr lvl="0"/>
             <a:r>
-              <a:rPr lang="ko-KR" altLang="en-US" smtClean="0"/>
+              <a:rPr lang="ko-KR" altLang="en-US"/>
               <a:t>마스터 텍스트 스타일을 편집합니다</a:t>
             </a:r>
           </a:p>
@@ -2508,7 +2506,7 @@
           <a:p>
             <a:fld id="{D611E7EA-CBE6-44DA-9AA9-820291065A39}" type="datetimeFigureOut">
               <a:rPr lang="ko-KR" altLang="en-US" smtClean="0"/>
-              <a:t>2021-04-01</a:t>
+              <a:t>2023-05-08</a:t>
             </a:fld>
             <a:endParaRPr lang="ko-KR" altLang="en-US"/>
           </a:p>
@@ -2617,10 +2615,9 @@
           <a:lstStyle/>
           <a:p>
             <a:r>
-              <a:rPr lang="ko-KR" altLang="en-US" smtClean="0"/>
+              <a:rPr lang="ko-KR" altLang="en-US"/>
               <a:t>마스터 제목 스타일 편집</a:t>
             </a:r>
-            <a:endParaRPr lang="ko-KR" altLang="en-US"/>
           </a:p>
         </p:txBody>
       </p:sp>
@@ -2651,38 +2648,37 @@
           <a:p>
             <a:pPr lvl="0"/>
             <a:r>
-              <a:rPr lang="ko-KR" altLang="en-US" smtClean="0"/>
+              <a:rPr lang="ko-KR" altLang="en-US"/>
               <a:t>마스터 텍스트 스타일을 편집합니다</a:t>
             </a:r>
           </a:p>
           <a:p>
             <a:pPr lvl="1"/>
             <a:r>
-              <a:rPr lang="ko-KR" altLang="en-US" smtClean="0"/>
+              <a:rPr lang="ko-KR" altLang="en-US"/>
               <a:t>둘째 수준</a:t>
             </a:r>
           </a:p>
           <a:p>
             <a:pPr lvl="2"/>
             <a:r>
-              <a:rPr lang="ko-KR" altLang="en-US" smtClean="0"/>
+              <a:rPr lang="ko-KR" altLang="en-US"/>
               <a:t>셋째 수준</a:t>
             </a:r>
           </a:p>
           <a:p>
             <a:pPr lvl="3"/>
             <a:r>
-              <a:rPr lang="ko-KR" altLang="en-US" smtClean="0"/>
+              <a:rPr lang="ko-KR" altLang="en-US"/>
               <a:t>넷째 수준</a:t>
             </a:r>
           </a:p>
           <a:p>
             <a:pPr lvl="4"/>
             <a:r>
-              <a:rPr lang="ko-KR" altLang="en-US" smtClean="0"/>
+              <a:rPr lang="ko-KR" altLang="en-US"/>
               <a:t>다섯째 수준</a:t>
             </a:r>
-            <a:endParaRPr lang="ko-KR" altLang="en-US"/>
           </a:p>
         </p:txBody>
       </p:sp>
@@ -2721,7 +2717,7 @@
           <a:p>
             <a:fld id="{D611E7EA-CBE6-44DA-9AA9-820291065A39}" type="datetimeFigureOut">
               <a:rPr lang="ko-KR" altLang="en-US" smtClean="0"/>
-              <a:t>2021-04-01</a:t>
+              <a:t>2023-05-08</a:t>
             </a:fld>
             <a:endParaRPr lang="ko-KR" altLang="en-US"/>
           </a:p>
@@ -3277,7 +3273,7 @@
           <a:lstStyle/>
           <a:p>
             <a:r>
-              <a:rPr lang="ko-KR" altLang="en-US" b="1" dirty="0" smtClean="0">
+              <a:rPr lang="ko-KR" altLang="en-US" b="1" dirty="0">
                 <a:solidFill>
                   <a:srgbClr val="0072BD"/>
                 </a:solidFill>
@@ -3323,7 +3319,7 @@
           <a:lstStyle/>
           <a:p>
             <a:r>
-              <a:rPr lang="ko-KR" altLang="en-US" b="1" dirty="0" smtClean="0">
+              <a:rPr lang="ko-KR" altLang="en-US" b="1" dirty="0">
                 <a:solidFill>
                   <a:srgbClr val="D95319"/>
                 </a:solidFill>
@@ -3331,7 +3327,7 @@
               <a:t>클러스터 </a:t>
             </a:r>
             <a:r>
-              <a:rPr lang="en-US" altLang="ko-KR" b="1" dirty="0" smtClean="0">
+              <a:rPr lang="en-US" altLang="ko-KR" b="1" dirty="0">
                 <a:solidFill>
                   <a:srgbClr val="D95319"/>
                 </a:solidFill>
@@ -3350,6 +3346,208 @@
     <p:extLst>
       <p:ext uri="{BB962C8B-B14F-4D97-AF65-F5344CB8AC3E}">
         <p14:creationId xmlns:p14="http://schemas.microsoft.com/office/powerpoint/2010/main" val="1723952021"/>
+      </p:ext>
+    </p:extLst>
+  </p:cSld>
+  <p:clrMapOvr>
+    <a:masterClrMapping/>
+  </p:clrMapOvr>
+</p:sld>
+</file>
+
+<file path=ppt/slides/slide3.xml><?xml version="1.0" encoding="utf-8"?>
+<p:sld xmlns:a="http://schemas.openxmlformats.org/drawingml/2006/main" xmlns:r="http://schemas.openxmlformats.org/officeDocument/2006/relationships" xmlns:p="http://schemas.openxmlformats.org/presentationml/2006/main">
+  <p:cSld>
+    <p:spTree>
+      <p:nvGrpSpPr>
+        <p:cNvPr id="1" name=""/>
+        <p:cNvGrpSpPr/>
+        <p:nvPr/>
+      </p:nvGrpSpPr>
+      <p:grpSpPr>
+        <a:xfrm>
+          <a:off x="0" y="0"/>
+          <a:ext cx="0" cy="0"/>
+          <a:chOff x="0" y="0"/>
+          <a:chExt cx="0" cy="0"/>
+        </a:xfrm>
+      </p:grpSpPr>
+      <p:pic>
+        <p:nvPicPr>
+          <p:cNvPr id="2050" name="Picture 2"/>
+          <p:cNvPicPr>
+            <a:picLocks noChangeAspect="1" noChangeArrowheads="1"/>
+          </p:cNvPicPr>
+          <p:nvPr/>
+        </p:nvPicPr>
+        <p:blipFill>
+          <a:blip r:embed="rId2">
+            <a:extLst>
+              <a:ext uri="{28A0092B-C50C-407E-A947-70E740481C1C}">
+                <a14:useLocalDpi xmlns:a14="http://schemas.microsoft.com/office/drawing/2010/main" val="0"/>
+              </a:ext>
+            </a:extLst>
+          </a:blip>
+          <a:srcRect/>
+          <a:stretch>
+            <a:fillRect/>
+          </a:stretch>
+        </p:blipFill>
+        <p:spPr bwMode="auto">
+          <a:xfrm>
+            <a:off x="1909763" y="1433513"/>
+            <a:ext cx="5324475" cy="3990975"/>
+          </a:xfrm>
+          <a:prstGeom prst="rect">
+            <a:avLst/>
+          </a:prstGeom>
+          <a:noFill/>
+          <a:ln>
+            <a:noFill/>
+          </a:ln>
+          <a:effectLst/>
+          <a:extLst>
+            <a:ext uri="{909E8E84-426E-40DD-AFC4-6F175D3DCCD1}">
+              <a14:hiddenFill xmlns:a14="http://schemas.microsoft.com/office/drawing/2010/main">
+                <a:solidFill>
+                  <a:schemeClr val="accent1"/>
+                </a:solidFill>
+              </a14:hiddenFill>
+            </a:ext>
+            <a:ext uri="{91240B29-F687-4F45-9708-019B960494DF}">
+              <a14:hiddenLine xmlns:a14="http://schemas.microsoft.com/office/drawing/2010/main" w="9525">
+                <a:solidFill>
+                  <a:schemeClr val="tx1"/>
+                </a:solidFill>
+                <a:miter lim="800000"/>
+                <a:headEnd/>
+                <a:tailEnd/>
+              </a14:hiddenLine>
+            </a:ext>
+            <a:ext uri="{AF507438-7753-43E0-B8FC-AC1667EBCBE1}">
+              <a14:hiddenEffects xmlns:a14="http://schemas.microsoft.com/office/drawing/2010/main">
+                <a:effectLst>
+                  <a:outerShdw dist="35921" dir="2700000" algn="ctr" rotWithShape="0">
+                    <a:schemeClr val="bg2"/>
+                  </a:outerShdw>
+                </a:effectLst>
+              </a14:hiddenEffects>
+            </a:ext>
+          </a:extLst>
+        </p:spPr>
+      </p:pic>
+      <p:sp>
+        <p:nvSpPr>
+          <p:cNvPr id="4" name="TextBox 3"/>
+          <p:cNvSpPr txBox="1"/>
+          <p:nvPr/>
+        </p:nvSpPr>
+        <p:spPr>
+          <a:xfrm>
+            <a:off x="2843808" y="2924944"/>
+            <a:ext cx="1129412" cy="369332"/>
+          </a:xfrm>
+          <a:prstGeom prst="rect">
+            <a:avLst/>
+          </a:prstGeom>
+          <a:noFill/>
+        </p:spPr>
+        <p:txBody>
+          <a:bodyPr wrap="none" rtlCol="0">
+            <a:spAutoFit/>
+          </a:bodyPr>
+          <a:lstStyle/>
+          <a:p>
+            <a:r>
+              <a:rPr lang="en-US" altLang="ko-KR" b="1" dirty="0">
+                <a:solidFill>
+                  <a:srgbClr val="0072BD"/>
+                </a:solidFill>
+              </a:rPr>
+              <a:t>cluster</a:t>
+            </a:r>
+            <a:r>
+              <a:rPr lang="ko-KR" altLang="en-US" b="1" dirty="0">
+                <a:solidFill>
+                  <a:srgbClr val="0072BD"/>
+                </a:solidFill>
+              </a:rPr>
+              <a:t> </a:t>
+            </a:r>
+            <a:r>
+              <a:rPr lang="en-US" altLang="ko-KR" b="1" dirty="0">
+                <a:solidFill>
+                  <a:srgbClr val="0072BD"/>
+                </a:solidFill>
+              </a:rPr>
+              <a:t>1</a:t>
+            </a:r>
+            <a:endParaRPr lang="ko-KR" altLang="en-US" b="1" dirty="0">
+              <a:solidFill>
+                <a:srgbClr val="0072BD"/>
+              </a:solidFill>
+            </a:endParaRPr>
+          </a:p>
+        </p:txBody>
+      </p:sp>
+      <p:sp>
+        <p:nvSpPr>
+          <p:cNvPr id="6" name="TextBox 5"/>
+          <p:cNvSpPr txBox="1"/>
+          <p:nvPr/>
+        </p:nvSpPr>
+        <p:spPr>
+          <a:xfrm>
+            <a:off x="5220072" y="3429000"/>
+            <a:ext cx="1129412" cy="369332"/>
+          </a:xfrm>
+          <a:prstGeom prst="rect">
+            <a:avLst/>
+          </a:prstGeom>
+          <a:noFill/>
+        </p:spPr>
+        <p:txBody>
+          <a:bodyPr wrap="none" rtlCol="0">
+            <a:spAutoFit/>
+          </a:bodyPr>
+          <a:lstStyle/>
+          <a:p>
+            <a:r>
+              <a:rPr lang="en-US" altLang="ko-KR" b="1">
+                <a:solidFill>
+                  <a:srgbClr val="D95319"/>
+                </a:solidFill>
+              </a:rPr>
+              <a:t>cluster</a:t>
+            </a:r>
+            <a:r>
+              <a:rPr lang="ko-KR" altLang="en-US" b="1" dirty="0">
+                <a:solidFill>
+                  <a:srgbClr val="D95319"/>
+                </a:solidFill>
+              </a:rPr>
+              <a:t> </a:t>
+            </a:r>
+            <a:r>
+              <a:rPr lang="en-US" altLang="ko-KR" b="1" dirty="0">
+                <a:solidFill>
+                  <a:srgbClr val="D95319"/>
+                </a:solidFill>
+              </a:rPr>
+              <a:t>2</a:t>
+            </a:r>
+            <a:endParaRPr lang="ko-KR" altLang="en-US" b="1" dirty="0">
+              <a:solidFill>
+                <a:srgbClr val="D95319"/>
+              </a:solidFill>
+            </a:endParaRPr>
+          </a:p>
+        </p:txBody>
+      </p:sp>
+    </p:spTree>
+    <p:extLst>
+      <p:ext uri="{BB962C8B-B14F-4D97-AF65-F5344CB8AC3E}">
+        <p14:creationId xmlns:p14="http://schemas.microsoft.com/office/powerpoint/2010/main" val="3448528682"/>
       </p:ext>
     </p:extLst>
   </p:cSld>
